--- a/figure.pptx
+++ b/figure.pptx
@@ -5,7 +5,8 @@
     <p:sldMasterId id="2147483660" r:id="rId1"/>
   </p:sldMasterIdLst>
   <p:sldIdLst>
-    <p:sldId id="256" r:id="rId2"/>
+    <p:sldId id="257" r:id="rId2"/>
+    <p:sldId id="256" r:id="rId3"/>
   </p:sldIdLst>
   <p:sldSz cx="4679950" cy="3600450"/>
   <p:notesSz cx="6858000" cy="9144000"/>
@@ -112,6 +113,122 @@
 </p:presentation>
 </file>
 
+<file path=ppt/changesInfos/changesInfo1.xml><?xml version="1.0" encoding="utf-8"?>
+<pc:chgInfo xmlns:a="http://schemas.openxmlformats.org/drawingml/2006/main" xmlns:r="http://schemas.openxmlformats.org/officeDocument/2006/relationships" xmlns:ac="http://schemas.microsoft.com/office/drawing/2013/main/command" xmlns:pc="http://schemas.microsoft.com/office/powerpoint/2013/main/command">
+  <pc:docChgLst>
+    <pc:chgData name="Huanyu Zhang" userId="84e1de20-c911-46d5-b814-d65fc664e404" providerId="ADAL" clId="{FAE0B8F3-8E8F-404A-ADCF-C9E44B72406D}"/>
+    <pc:docChg chg="custSel addSld delSld modSld">
+      <pc:chgData name="Huanyu Zhang" userId="84e1de20-c911-46d5-b814-d65fc664e404" providerId="ADAL" clId="{FAE0B8F3-8E8F-404A-ADCF-C9E44B72406D}" dt="2020-12-20T02:51:14.254" v="49"/>
+      <pc:docMkLst>
+        <pc:docMk/>
+      </pc:docMkLst>
+      <pc:sldChg chg="add del">
+        <pc:chgData name="Huanyu Zhang" userId="84e1de20-c911-46d5-b814-d65fc664e404" providerId="ADAL" clId="{FAE0B8F3-8E8F-404A-ADCF-C9E44B72406D}" dt="2020-12-20T02:51:14.254" v="49"/>
+        <pc:sldMkLst>
+          <pc:docMk/>
+          <pc:sldMk cId="3854370169" sldId="256"/>
+        </pc:sldMkLst>
+      </pc:sldChg>
+      <pc:sldChg chg="addSp delSp modSp add mod">
+        <pc:chgData name="Huanyu Zhang" userId="84e1de20-c911-46d5-b814-d65fc664e404" providerId="ADAL" clId="{FAE0B8F3-8E8F-404A-ADCF-C9E44B72406D}" dt="2020-12-20T02:50:05.562" v="47" actId="20577"/>
+        <pc:sldMkLst>
+          <pc:docMk/>
+          <pc:sldMk cId="1272377538" sldId="257"/>
+        </pc:sldMkLst>
+        <pc:spChg chg="mod">
+          <ac:chgData name="Huanyu Zhang" userId="84e1de20-c911-46d5-b814-d65fc664e404" providerId="ADAL" clId="{FAE0B8F3-8E8F-404A-ADCF-C9E44B72406D}" dt="2020-12-20T02:46:12.476" v="8" actId="1076"/>
+          <ac:spMkLst>
+            <pc:docMk/>
+            <pc:sldMk cId="1272377538" sldId="257"/>
+            <ac:spMk id="12" creationId="{1C2B782B-9853-41E1-8765-FA5E8D37FCF2}"/>
+          </ac:spMkLst>
+        </pc:spChg>
+        <pc:spChg chg="mod">
+          <ac:chgData name="Huanyu Zhang" userId="84e1de20-c911-46d5-b814-d65fc664e404" providerId="ADAL" clId="{FAE0B8F3-8E8F-404A-ADCF-C9E44B72406D}" dt="2020-12-20T02:46:18.870" v="9" actId="1076"/>
+          <ac:spMkLst>
+            <pc:docMk/>
+            <pc:sldMk cId="1272377538" sldId="257"/>
+            <ac:spMk id="13" creationId="{7839D264-CBE6-4B55-B1C9-AADA19F55634}"/>
+          </ac:spMkLst>
+        </pc:spChg>
+        <pc:spChg chg="del">
+          <ac:chgData name="Huanyu Zhang" userId="84e1de20-c911-46d5-b814-d65fc664e404" providerId="ADAL" clId="{FAE0B8F3-8E8F-404A-ADCF-C9E44B72406D}" dt="2020-12-20T02:11:13.586" v="1" actId="478"/>
+          <ac:spMkLst>
+            <pc:docMk/>
+            <pc:sldMk cId="1272377538" sldId="257"/>
+            <ac:spMk id="14" creationId="{8750DCF4-7793-4DDB-A8E0-F99BB29BA267}"/>
+          </ac:spMkLst>
+        </pc:spChg>
+        <pc:spChg chg="del mod">
+          <ac:chgData name="Huanyu Zhang" userId="84e1de20-c911-46d5-b814-d65fc664e404" providerId="ADAL" clId="{FAE0B8F3-8E8F-404A-ADCF-C9E44B72406D}" dt="2020-12-20T02:47:31.124" v="19"/>
+          <ac:spMkLst>
+            <pc:docMk/>
+            <pc:sldMk cId="1272377538" sldId="257"/>
+            <ac:spMk id="15" creationId="{C4AE4D28-158D-4D3C-827C-6ED2B71CA245}"/>
+          </ac:spMkLst>
+        </pc:spChg>
+        <pc:spChg chg="add mod">
+          <ac:chgData name="Huanyu Zhang" userId="84e1de20-c911-46d5-b814-d65fc664e404" providerId="ADAL" clId="{FAE0B8F3-8E8F-404A-ADCF-C9E44B72406D}" dt="2020-12-20T02:47:52.405" v="21" actId="1076"/>
+          <ac:spMkLst>
+            <pc:docMk/>
+            <pc:sldMk cId="1272377538" sldId="257"/>
+            <ac:spMk id="17" creationId="{3AC2E405-675F-417B-AF28-660FB9168476}"/>
+          </ac:spMkLst>
+        </pc:spChg>
+        <pc:spChg chg="add mod">
+          <ac:chgData name="Huanyu Zhang" userId="84e1de20-c911-46d5-b814-d65fc664e404" providerId="ADAL" clId="{FAE0B8F3-8E8F-404A-ADCF-C9E44B72406D}" dt="2020-12-20T02:50:05.562" v="47" actId="20577"/>
+          <ac:spMkLst>
+            <pc:docMk/>
+            <pc:sldMk cId="1272377538" sldId="257"/>
+            <ac:spMk id="20" creationId="{0CB429DB-B5A7-4423-AC12-94DEE4D66042}"/>
+          </ac:spMkLst>
+        </pc:spChg>
+        <pc:spChg chg="del mod">
+          <ac:chgData name="Huanyu Zhang" userId="84e1de20-c911-46d5-b814-d65fc664e404" providerId="ADAL" clId="{FAE0B8F3-8E8F-404A-ADCF-C9E44B72406D}" dt="2020-12-20T02:48:14.431" v="29" actId="478"/>
+          <ac:spMkLst>
+            <pc:docMk/>
+            <pc:sldMk cId="1272377538" sldId="257"/>
+            <ac:spMk id="24" creationId="{6316BB99-3FBF-4087-BB0B-37F7C7140170}"/>
+          </ac:spMkLst>
+        </pc:spChg>
+        <pc:cxnChg chg="mod">
+          <ac:chgData name="Huanyu Zhang" userId="84e1de20-c911-46d5-b814-d65fc664e404" providerId="ADAL" clId="{FAE0B8F3-8E8F-404A-ADCF-C9E44B72406D}" dt="2020-12-20T02:46:35.830" v="12" actId="1076"/>
+          <ac:cxnSpMkLst>
+            <pc:docMk/>
+            <pc:sldMk cId="1272377538" sldId="257"/>
+            <ac:cxnSpMk id="10" creationId="{DD4670CB-3442-4657-BA5E-95218721BC55}"/>
+          </ac:cxnSpMkLst>
+        </pc:cxnChg>
+        <pc:cxnChg chg="del">
+          <ac:chgData name="Huanyu Zhang" userId="84e1de20-c911-46d5-b814-d65fc664e404" providerId="ADAL" clId="{FAE0B8F3-8E8F-404A-ADCF-C9E44B72406D}" dt="2020-12-20T02:48:10.339" v="26" actId="478"/>
+          <ac:cxnSpMkLst>
+            <pc:docMk/>
+            <pc:sldMk cId="1272377538" sldId="257"/>
+            <ac:cxnSpMk id="18" creationId="{48C71269-45BF-4D08-8514-329EF046960A}"/>
+          </ac:cxnSpMkLst>
+        </pc:cxnChg>
+        <pc:cxnChg chg="add mod">
+          <ac:chgData name="Huanyu Zhang" userId="84e1de20-c911-46d5-b814-d65fc664e404" providerId="ADAL" clId="{FAE0B8F3-8E8F-404A-ADCF-C9E44B72406D}" dt="2020-12-20T02:48:05.699" v="25" actId="1076"/>
+          <ac:cxnSpMkLst>
+            <pc:docMk/>
+            <pc:sldMk cId="1272377538" sldId="257"/>
+            <ac:cxnSpMk id="19" creationId="{F39C46B0-DC63-4C5B-B924-2428C846DB70}"/>
+          </ac:cxnSpMkLst>
+        </pc:cxnChg>
+        <pc:cxnChg chg="del">
+          <ac:chgData name="Huanyu Zhang" userId="84e1de20-c911-46d5-b814-d65fc664e404" providerId="ADAL" clId="{FAE0B8F3-8E8F-404A-ADCF-C9E44B72406D}" dt="2020-12-20T02:48:11.594" v="27" actId="478"/>
+          <ac:cxnSpMkLst>
+            <pc:docMk/>
+            <pc:sldMk cId="1272377538" sldId="257"/>
+            <ac:cxnSpMk id="22" creationId="{00F80E66-9223-4AE6-A895-6DC8F0757FC5}"/>
+          </ac:cxnSpMkLst>
+        </pc:cxnChg>
+      </pc:sldChg>
+    </pc:docChg>
+  </pc:docChgLst>
+</pc:chgInfo>
+</file>
+
 <file path=ppt/slideLayouts/slideLayout1.xml><?xml version="1.0" encoding="utf-8"?>
 <p:sldLayout xmlns:a="http://schemas.openxmlformats.org/drawingml/2006/main" xmlns:r="http://schemas.openxmlformats.org/officeDocument/2006/relationships" xmlns:p="http://schemas.openxmlformats.org/presentationml/2006/main" type="title" preserve="1">
   <p:cSld name="标题幻灯片">
@@ -243,7 +360,7 @@
           <a:p>
             <a:fld id="{067C7EFD-F22E-44DA-8A32-ED1F8E0D68C5}" type="datetimeFigureOut">
               <a:rPr lang="zh-CN" altLang="en-US" smtClean="0"/>
-              <a:t>2020/12/19</a:t>
+              <a:t>2020/12/20</a:t>
             </a:fld>
             <a:endParaRPr lang="zh-CN" altLang="en-US"/>
           </a:p>
@@ -413,7 +530,7 @@
           <a:p>
             <a:fld id="{067C7EFD-F22E-44DA-8A32-ED1F8E0D68C5}" type="datetimeFigureOut">
               <a:rPr lang="zh-CN" altLang="en-US" smtClean="0"/>
-              <a:t>2020/12/19</a:t>
+              <a:t>2020/12/20</a:t>
             </a:fld>
             <a:endParaRPr lang="zh-CN" altLang="en-US"/>
           </a:p>
@@ -593,7 +710,7 @@
           <a:p>
             <a:fld id="{067C7EFD-F22E-44DA-8A32-ED1F8E0D68C5}" type="datetimeFigureOut">
               <a:rPr lang="zh-CN" altLang="en-US" smtClean="0"/>
-              <a:t>2020/12/19</a:t>
+              <a:t>2020/12/20</a:t>
             </a:fld>
             <a:endParaRPr lang="zh-CN" altLang="en-US"/>
           </a:p>
@@ -763,7 +880,7 @@
           <a:p>
             <a:fld id="{067C7EFD-F22E-44DA-8A32-ED1F8E0D68C5}" type="datetimeFigureOut">
               <a:rPr lang="zh-CN" altLang="en-US" smtClean="0"/>
-              <a:t>2020/12/19</a:t>
+              <a:t>2020/12/20</a:t>
             </a:fld>
             <a:endParaRPr lang="zh-CN" altLang="en-US"/>
           </a:p>
@@ -1007,7 +1124,7 @@
           <a:p>
             <a:fld id="{067C7EFD-F22E-44DA-8A32-ED1F8E0D68C5}" type="datetimeFigureOut">
               <a:rPr lang="zh-CN" altLang="en-US" smtClean="0"/>
-              <a:t>2020/12/19</a:t>
+              <a:t>2020/12/20</a:t>
             </a:fld>
             <a:endParaRPr lang="zh-CN" altLang="en-US"/>
           </a:p>
@@ -1239,7 +1356,7 @@
           <a:p>
             <a:fld id="{067C7EFD-F22E-44DA-8A32-ED1F8E0D68C5}" type="datetimeFigureOut">
               <a:rPr lang="zh-CN" altLang="en-US" smtClean="0"/>
-              <a:t>2020/12/19</a:t>
+              <a:t>2020/12/20</a:t>
             </a:fld>
             <a:endParaRPr lang="zh-CN" altLang="en-US"/>
           </a:p>
@@ -1606,7 +1723,7 @@
           <a:p>
             <a:fld id="{067C7EFD-F22E-44DA-8A32-ED1F8E0D68C5}" type="datetimeFigureOut">
               <a:rPr lang="zh-CN" altLang="en-US" smtClean="0"/>
-              <a:t>2020/12/19</a:t>
+              <a:t>2020/12/20</a:t>
             </a:fld>
             <a:endParaRPr lang="zh-CN" altLang="en-US"/>
           </a:p>
@@ -1724,7 +1841,7 @@
           <a:p>
             <a:fld id="{067C7EFD-F22E-44DA-8A32-ED1F8E0D68C5}" type="datetimeFigureOut">
               <a:rPr lang="zh-CN" altLang="en-US" smtClean="0"/>
-              <a:t>2020/12/19</a:t>
+              <a:t>2020/12/20</a:t>
             </a:fld>
             <a:endParaRPr lang="zh-CN" altLang="en-US"/>
           </a:p>
@@ -1819,7 +1936,7 @@
           <a:p>
             <a:fld id="{067C7EFD-F22E-44DA-8A32-ED1F8E0D68C5}" type="datetimeFigureOut">
               <a:rPr lang="zh-CN" altLang="en-US" smtClean="0"/>
-              <a:t>2020/12/19</a:t>
+              <a:t>2020/12/20</a:t>
             </a:fld>
             <a:endParaRPr lang="zh-CN" altLang="en-US"/>
           </a:p>
@@ -2096,7 +2213,7 @@
           <a:p>
             <a:fld id="{067C7EFD-F22E-44DA-8A32-ED1F8E0D68C5}" type="datetimeFigureOut">
               <a:rPr lang="zh-CN" altLang="en-US" smtClean="0"/>
-              <a:t>2020/12/19</a:t>
+              <a:t>2020/12/20</a:t>
             </a:fld>
             <a:endParaRPr lang="zh-CN" altLang="en-US"/>
           </a:p>
@@ -2353,7 +2470,7 @@
           <a:p>
             <a:fld id="{067C7EFD-F22E-44DA-8A32-ED1F8E0D68C5}" type="datetimeFigureOut">
               <a:rPr lang="zh-CN" altLang="en-US" smtClean="0"/>
-              <a:t>2020/12/19</a:t>
+              <a:t>2020/12/20</a:t>
             </a:fld>
             <a:endParaRPr lang="zh-CN" altLang="en-US"/>
           </a:p>
@@ -2566,7 +2683,7 @@
           <a:p>
             <a:fld id="{067C7EFD-F22E-44DA-8A32-ED1F8E0D68C5}" type="datetimeFigureOut">
               <a:rPr lang="zh-CN" altLang="en-US" smtClean="0"/>
-              <a:t>2020/12/19</a:t>
+              <a:t>2020/12/20</a:t>
             </a:fld>
             <a:endParaRPr lang="zh-CN" altLang="en-US"/>
           </a:p>
@@ -2973,6 +3090,1088 @@
       </p:grpSpPr>
       <p:sp>
         <p:nvSpPr>
+          <p:cNvPr id="8" name="任意多边形: 形状 7">
+            <a:extLst>
+              <a:ext uri="{FF2B5EF4-FFF2-40B4-BE49-F238E27FC236}">
+                <a16:creationId xmlns:a16="http://schemas.microsoft.com/office/drawing/2014/main" id="{164326A3-0965-49E0-86F1-F9416E6DFBBC}"/>
+              </a:ext>
+            </a:extLst>
+          </p:cNvPr>
+          <p:cNvSpPr/>
+          <p:nvPr/>
+        </p:nvSpPr>
+        <p:spPr>
+          <a:xfrm>
+            <a:off x="1399269" y="1281871"/>
+            <a:ext cx="2205680" cy="871152"/>
+          </a:xfrm>
+          <a:custGeom>
+            <a:avLst/>
+            <a:gdLst>
+              <a:gd name="connsiteX0" fmla="*/ 0 w 2205682"/>
+              <a:gd name="connsiteY0" fmla="*/ 0 h 871152"/>
+              <a:gd name="connsiteX1" fmla="*/ 1445741 w 2205682"/>
+              <a:gd name="connsiteY1" fmla="*/ 160638 h 871152"/>
+              <a:gd name="connsiteX2" fmla="*/ 2205682 w 2205682"/>
+              <a:gd name="connsiteY2" fmla="*/ 871152 h 871152"/>
+            </a:gdLst>
+            <a:ahLst/>
+            <a:cxnLst>
+              <a:cxn ang="0">
+                <a:pos x="connsiteX0" y="connsiteY0"/>
+              </a:cxn>
+              <a:cxn ang="0">
+                <a:pos x="connsiteX1" y="connsiteY1"/>
+              </a:cxn>
+              <a:cxn ang="0">
+                <a:pos x="connsiteX2" y="connsiteY2"/>
+              </a:cxn>
+            </a:cxnLst>
+            <a:rect l="l" t="t" r="r" b="b"/>
+            <a:pathLst>
+              <a:path w="2205682" h="871152">
+                <a:moveTo>
+                  <a:pt x="0" y="0"/>
+                </a:moveTo>
+                <a:cubicBezTo>
+                  <a:pt x="539063" y="7723"/>
+                  <a:pt x="1078127" y="15446"/>
+                  <a:pt x="1445741" y="160638"/>
+                </a:cubicBezTo>
+                <a:cubicBezTo>
+                  <a:pt x="1813355" y="305830"/>
+                  <a:pt x="2054312" y="762001"/>
+                  <a:pt x="2205682" y="871152"/>
+                </a:cubicBezTo>
+              </a:path>
+            </a:pathLst>
+          </a:custGeom>
+        </p:spPr>
+        <p:style>
+          <a:lnRef idx="3">
+            <a:schemeClr val="accent5"/>
+          </a:lnRef>
+          <a:fillRef idx="0">
+            <a:schemeClr val="accent5"/>
+          </a:fillRef>
+          <a:effectRef idx="2">
+            <a:schemeClr val="accent5"/>
+          </a:effectRef>
+          <a:fontRef idx="minor">
+            <a:schemeClr val="tx1"/>
+          </a:fontRef>
+        </p:style>
+        <p:txBody>
+          <a:bodyPr rtlCol="0" anchor="ctr"/>
+          <a:lstStyle/>
+          <a:p>
+            <a:pPr algn="ctr"/>
+            <a:endParaRPr lang="zh-CN" altLang="en-US" sz="681"/>
+          </a:p>
+        </p:txBody>
+      </p:sp>
+      <p:sp>
+        <p:nvSpPr>
+          <p:cNvPr id="4" name="任意多边形: 形状 3">
+            <a:extLst>
+              <a:ext uri="{FF2B5EF4-FFF2-40B4-BE49-F238E27FC236}">
+                <a16:creationId xmlns:a16="http://schemas.microsoft.com/office/drawing/2014/main" id="{A74C3505-3E29-47AD-8482-CEC37925AB80}"/>
+              </a:ext>
+            </a:extLst>
+          </p:cNvPr>
+          <p:cNvSpPr/>
+          <p:nvPr/>
+        </p:nvSpPr>
+        <p:spPr>
+          <a:xfrm>
+            <a:off x="95628" y="1288049"/>
+            <a:ext cx="2434282" cy="2248930"/>
+          </a:xfrm>
+          <a:custGeom>
+            <a:avLst/>
+            <a:gdLst>
+              <a:gd name="connsiteX0" fmla="*/ 0 w 2434281"/>
+              <a:gd name="connsiteY0" fmla="*/ 0 h 2248929"/>
+              <a:gd name="connsiteX1" fmla="*/ 2014151 w 2434281"/>
+              <a:gd name="connsiteY1" fmla="*/ 939113 h 2248929"/>
+              <a:gd name="connsiteX2" fmla="*/ 2434281 w 2434281"/>
+              <a:gd name="connsiteY2" fmla="*/ 2248929 h 2248929"/>
+            </a:gdLst>
+            <a:ahLst/>
+            <a:cxnLst>
+              <a:cxn ang="0">
+                <a:pos x="connsiteX0" y="connsiteY0"/>
+              </a:cxn>
+              <a:cxn ang="0">
+                <a:pos x="connsiteX1" y="connsiteY1"/>
+              </a:cxn>
+              <a:cxn ang="0">
+                <a:pos x="connsiteX2" y="connsiteY2"/>
+              </a:cxn>
+            </a:cxnLst>
+            <a:rect l="l" t="t" r="r" b="b"/>
+            <a:pathLst>
+              <a:path w="2434281" h="2248929">
+                <a:moveTo>
+                  <a:pt x="0" y="0"/>
+                </a:moveTo>
+                <a:cubicBezTo>
+                  <a:pt x="804219" y="282146"/>
+                  <a:pt x="1608438" y="564292"/>
+                  <a:pt x="2014151" y="939113"/>
+                </a:cubicBezTo>
+                <a:cubicBezTo>
+                  <a:pt x="2419864" y="1313934"/>
+                  <a:pt x="2420895" y="1945159"/>
+                  <a:pt x="2434281" y="2248929"/>
+                </a:cubicBezTo>
+              </a:path>
+            </a:pathLst>
+          </a:custGeom>
+        </p:spPr>
+        <p:style>
+          <a:lnRef idx="2">
+            <a:schemeClr val="dk1"/>
+          </a:lnRef>
+          <a:fillRef idx="0">
+            <a:schemeClr val="dk1"/>
+          </a:fillRef>
+          <a:effectRef idx="1">
+            <a:schemeClr val="dk1"/>
+          </a:effectRef>
+          <a:fontRef idx="minor">
+            <a:schemeClr val="tx1"/>
+          </a:fontRef>
+        </p:style>
+        <p:txBody>
+          <a:bodyPr rtlCol="0" anchor="ctr"/>
+          <a:lstStyle/>
+          <a:p>
+            <a:pPr algn="ctr"/>
+            <a:endParaRPr lang="zh-CN" altLang="en-US" sz="681"/>
+          </a:p>
+        </p:txBody>
+      </p:sp>
+      <p:sp>
+        <p:nvSpPr>
+          <p:cNvPr id="6" name="任意多边形: 形状 5">
+            <a:extLst>
+              <a:ext uri="{FF2B5EF4-FFF2-40B4-BE49-F238E27FC236}">
+                <a16:creationId xmlns:a16="http://schemas.microsoft.com/office/drawing/2014/main" id="{CEFB241E-5124-4211-B623-B66A3481649A}"/>
+              </a:ext>
+            </a:extLst>
+          </p:cNvPr>
+          <p:cNvSpPr/>
+          <p:nvPr/>
+        </p:nvSpPr>
+        <p:spPr>
+          <a:xfrm>
+            <a:off x="2523735" y="2439435"/>
+            <a:ext cx="1655805" cy="1097542"/>
+          </a:xfrm>
+          <a:custGeom>
+            <a:avLst/>
+            <a:gdLst>
+              <a:gd name="connsiteX0" fmla="*/ 0 w 1655806"/>
+              <a:gd name="connsiteY0" fmla="*/ 1097543 h 1097543"/>
+              <a:gd name="connsiteX1" fmla="*/ 722871 w 1655806"/>
+              <a:gd name="connsiteY1" fmla="*/ 34862 h 1097543"/>
+              <a:gd name="connsiteX2" fmla="*/ 1655806 w 1655806"/>
+              <a:gd name="connsiteY2" fmla="*/ 281997 h 1097543"/>
+            </a:gdLst>
+            <a:ahLst/>
+            <a:cxnLst>
+              <a:cxn ang="0">
+                <a:pos x="connsiteX0" y="connsiteY0"/>
+              </a:cxn>
+              <a:cxn ang="0">
+                <a:pos x="connsiteX1" y="connsiteY1"/>
+              </a:cxn>
+              <a:cxn ang="0">
+                <a:pos x="connsiteX2" y="connsiteY2"/>
+              </a:cxn>
+            </a:cxnLst>
+            <a:rect l="l" t="t" r="r" b="b"/>
+            <a:pathLst>
+              <a:path w="1655806" h="1097543">
+                <a:moveTo>
+                  <a:pt x="0" y="1097543"/>
+                </a:moveTo>
+                <a:cubicBezTo>
+                  <a:pt x="223451" y="634164"/>
+                  <a:pt x="446903" y="170786"/>
+                  <a:pt x="722871" y="34862"/>
+                </a:cubicBezTo>
+                <a:cubicBezTo>
+                  <a:pt x="998839" y="-101062"/>
+                  <a:pt x="1495168" y="198589"/>
+                  <a:pt x="1655806" y="281997"/>
+                </a:cubicBezTo>
+              </a:path>
+            </a:pathLst>
+          </a:custGeom>
+        </p:spPr>
+        <p:style>
+          <a:lnRef idx="2">
+            <a:schemeClr val="dk1"/>
+          </a:lnRef>
+          <a:fillRef idx="0">
+            <a:schemeClr val="dk1"/>
+          </a:fillRef>
+          <a:effectRef idx="1">
+            <a:schemeClr val="dk1"/>
+          </a:effectRef>
+          <a:fontRef idx="minor">
+            <a:schemeClr val="tx1"/>
+          </a:fontRef>
+        </p:style>
+        <p:txBody>
+          <a:bodyPr rtlCol="0" anchor="ctr"/>
+          <a:lstStyle/>
+          <a:p>
+            <a:pPr algn="ctr"/>
+            <a:endParaRPr lang="zh-CN" altLang="en-US" sz="681"/>
+          </a:p>
+        </p:txBody>
+      </p:sp>
+      <p:sp>
+        <p:nvSpPr>
+          <p:cNvPr id="7" name="任意多边形: 形状 6">
+            <a:extLst>
+              <a:ext uri="{FF2B5EF4-FFF2-40B4-BE49-F238E27FC236}">
+                <a16:creationId xmlns:a16="http://schemas.microsoft.com/office/drawing/2014/main" id="{922B4EBA-51B4-4CD7-B098-BA8942A50374}"/>
+              </a:ext>
+            </a:extLst>
+          </p:cNvPr>
+          <p:cNvSpPr/>
+          <p:nvPr/>
+        </p:nvSpPr>
+        <p:spPr>
+          <a:xfrm>
+            <a:off x="1362201" y="460146"/>
+            <a:ext cx="2821889" cy="2248930"/>
+          </a:xfrm>
+          <a:custGeom>
+            <a:avLst/>
+            <a:gdLst>
+              <a:gd name="connsiteX0" fmla="*/ 2811162 w 2821887"/>
+              <a:gd name="connsiteY0" fmla="*/ 2248930 h 2248930"/>
+              <a:gd name="connsiteX1" fmla="*/ 2391033 w 2821887"/>
+              <a:gd name="connsiteY1" fmla="*/ 908221 h 2248930"/>
+              <a:gd name="connsiteX2" fmla="*/ 0 w 2821887"/>
+              <a:gd name="connsiteY2" fmla="*/ 0 h 2248930"/>
+            </a:gdLst>
+            <a:ahLst/>
+            <a:cxnLst>
+              <a:cxn ang="0">
+                <a:pos x="connsiteX0" y="connsiteY0"/>
+              </a:cxn>
+              <a:cxn ang="0">
+                <a:pos x="connsiteX1" y="connsiteY1"/>
+              </a:cxn>
+              <a:cxn ang="0">
+                <a:pos x="connsiteX2" y="connsiteY2"/>
+              </a:cxn>
+            </a:cxnLst>
+            <a:rect l="l" t="t" r="r" b="b"/>
+            <a:pathLst>
+              <a:path w="2821887" h="2248930">
+                <a:moveTo>
+                  <a:pt x="2811162" y="2248930"/>
+                </a:moveTo>
+                <a:cubicBezTo>
+                  <a:pt x="2835361" y="1765986"/>
+                  <a:pt x="2859560" y="1283043"/>
+                  <a:pt x="2391033" y="908221"/>
+                </a:cubicBezTo>
+                <a:cubicBezTo>
+                  <a:pt x="1922506" y="533399"/>
+                  <a:pt x="489122" y="160638"/>
+                  <a:pt x="0" y="0"/>
+                </a:cubicBezTo>
+              </a:path>
+            </a:pathLst>
+          </a:custGeom>
+        </p:spPr>
+        <p:style>
+          <a:lnRef idx="2">
+            <a:schemeClr val="dk1"/>
+          </a:lnRef>
+          <a:fillRef idx="0">
+            <a:schemeClr val="dk1"/>
+          </a:fillRef>
+          <a:effectRef idx="1">
+            <a:schemeClr val="dk1"/>
+          </a:effectRef>
+          <a:fontRef idx="minor">
+            <a:schemeClr val="tx1"/>
+          </a:fontRef>
+        </p:style>
+        <p:txBody>
+          <a:bodyPr rtlCol="0" anchor="ctr"/>
+          <a:lstStyle/>
+          <a:p>
+            <a:pPr algn="ctr"/>
+            <a:endParaRPr lang="zh-CN" altLang="en-US" sz="681"/>
+          </a:p>
+        </p:txBody>
+      </p:sp>
+      <p:cxnSp>
+        <p:nvCxnSpPr>
+          <p:cNvPr id="10" name="直接箭头连接符 9">
+            <a:extLst>
+              <a:ext uri="{FF2B5EF4-FFF2-40B4-BE49-F238E27FC236}">
+                <a16:creationId xmlns:a16="http://schemas.microsoft.com/office/drawing/2014/main" id="{DD4670CB-3442-4657-BA5E-95218721BC55}"/>
+              </a:ext>
+            </a:extLst>
+          </p:cNvPr>
+          <p:cNvCxnSpPr>
+            <a:cxnSpLocks/>
+          </p:cNvCxnSpPr>
+          <p:nvPr/>
+        </p:nvCxnSpPr>
+        <p:spPr>
+          <a:xfrm>
+            <a:off x="2335382" y="1319098"/>
+            <a:ext cx="732047" cy="109243"/>
+          </a:xfrm>
+          <a:prstGeom prst="straightConnector1">
+            <a:avLst/>
+          </a:prstGeom>
+          <a:ln>
+            <a:tailEnd type="triangle"/>
+          </a:ln>
+        </p:spPr>
+        <p:style>
+          <a:lnRef idx="1">
+            <a:schemeClr val="accent1"/>
+          </a:lnRef>
+          <a:fillRef idx="0">
+            <a:schemeClr val="accent1"/>
+          </a:fillRef>
+          <a:effectRef idx="0">
+            <a:schemeClr val="accent1"/>
+          </a:effectRef>
+          <a:fontRef idx="minor">
+            <a:schemeClr val="tx1"/>
+          </a:fontRef>
+        </p:style>
+      </p:cxnSp>
+      <mc:AlternateContent xmlns:mc="http://schemas.openxmlformats.org/markup-compatibility/2006" xmlns:a14="http://schemas.microsoft.com/office/drawing/2010/main">
+        <mc:Choice Requires="a14">
+          <p:sp>
+            <p:nvSpPr>
+              <p:cNvPr id="12" name="文本框 11">
+                <a:extLst>
+                  <a:ext uri="{FF2B5EF4-FFF2-40B4-BE49-F238E27FC236}">
+                    <a16:creationId xmlns:a16="http://schemas.microsoft.com/office/drawing/2014/main" id="{1C2B782B-9853-41E1-8765-FA5E8D37FCF2}"/>
+                  </a:ext>
+                </a:extLst>
+              </p:cNvPr>
+              <p:cNvSpPr txBox="1"/>
+              <p:nvPr/>
+            </p:nvSpPr>
+            <p:spPr>
+              <a:xfrm>
+                <a:off x="1995443" y="962099"/>
+                <a:ext cx="163506" cy="246221"/>
+              </a:xfrm>
+              <a:prstGeom prst="rect">
+                <a:avLst/>
+              </a:prstGeom>
+              <a:noFill/>
+            </p:spPr>
+            <p:txBody>
+              <a:bodyPr wrap="none" lIns="0" tIns="0" rIns="0" bIns="0" rtlCol="0">
+                <a:spAutoFit/>
+              </a:bodyPr>
+              <a:lstStyle/>
+              <a:p>
+                <a:pPr/>
+                <a14:m>
+                  <m:oMathPara xmlns:m="http://schemas.openxmlformats.org/officeDocument/2006/math">
+                    <m:oMathParaPr>
+                      <m:jc m:val="centerGroup"/>
+                    </m:oMathParaPr>
+                    <m:oMath xmlns:m="http://schemas.openxmlformats.org/officeDocument/2006/math">
+                      <m:r>
+                        <m:rPr>
+                          <m:sty m:val="p"/>
+                        </m:rPr>
+                        <a:rPr lang="en-US" altLang="zh-CN" sz="1600" i="1">
+                          <a:latin typeface="Cambria Math" panose="02040503050406030204" pitchFamily="18" charset="0"/>
+                        </a:rPr>
+                        <m:t>X</m:t>
+                      </m:r>
+                    </m:oMath>
+                  </m:oMathPara>
+                </a14:m>
+                <a:endParaRPr lang="zh-CN" altLang="en-US" sz="1600" dirty="0"/>
+              </a:p>
+            </p:txBody>
+          </p:sp>
+        </mc:Choice>
+        <mc:Fallback xmlns="">
+          <p:sp>
+            <p:nvSpPr>
+              <p:cNvPr id="12" name="文本框 11">
+                <a:extLst>
+                  <a:ext uri="{FF2B5EF4-FFF2-40B4-BE49-F238E27FC236}">
+                    <a16:creationId xmlns:a16="http://schemas.microsoft.com/office/drawing/2014/main" id="{1C2B782B-9853-41E1-8765-FA5E8D37FCF2}"/>
+                  </a:ext>
+                </a:extLst>
+              </p:cNvPr>
+              <p:cNvSpPr txBox="1">
+                <a:spLocks noRot="1" noChangeAspect="1" noMove="1" noResize="1" noEditPoints="1" noAdjustHandles="1" noChangeArrowheads="1" noChangeShapeType="1" noTextEdit="1"/>
+              </p:cNvSpPr>
+              <p:nvPr/>
+            </p:nvSpPr>
+            <p:spPr>
+              <a:xfrm>
+                <a:off x="1995443" y="962099"/>
+                <a:ext cx="163506" cy="246221"/>
+              </a:xfrm>
+              <a:prstGeom prst="rect">
+                <a:avLst/>
+              </a:prstGeom>
+              <a:blipFill>
+                <a:blip r:embed="rId2"/>
+                <a:stretch>
+                  <a:fillRect l="-25926" r="-29630" b="-5000"/>
+                </a:stretch>
+              </a:blipFill>
+            </p:spPr>
+            <p:txBody>
+              <a:bodyPr/>
+              <a:lstStyle/>
+              <a:p>
+                <a:r>
+                  <a:rPr lang="zh-CN" altLang="en-US">
+                    <a:noFill/>
+                  </a:rPr>
+                  <a:t> </a:t>
+                </a:r>
+              </a:p>
+            </p:txBody>
+          </p:sp>
+        </mc:Fallback>
+      </mc:AlternateContent>
+      <mc:AlternateContent xmlns:mc="http://schemas.openxmlformats.org/markup-compatibility/2006" xmlns:a14="http://schemas.microsoft.com/office/drawing/2010/main">
+        <mc:Choice Requires="a14">
+          <p:sp>
+            <p:nvSpPr>
+              <p:cNvPr id="13" name="文本框 12">
+                <a:extLst>
+                  <a:ext uri="{FF2B5EF4-FFF2-40B4-BE49-F238E27FC236}">
+                    <a16:creationId xmlns:a16="http://schemas.microsoft.com/office/drawing/2014/main" id="{7839D264-CBE6-4B55-B1C9-AADA19F55634}"/>
+                  </a:ext>
+                </a:extLst>
+              </p:cNvPr>
+              <p:cNvSpPr txBox="1"/>
+              <p:nvPr/>
+            </p:nvSpPr>
+            <p:spPr>
+              <a:xfrm>
+                <a:off x="2214732" y="1032561"/>
+                <a:ext cx="253467" cy="246221"/>
+              </a:xfrm>
+              <a:prstGeom prst="rect">
+                <a:avLst/>
+              </a:prstGeom>
+              <a:noFill/>
+            </p:spPr>
+            <p:txBody>
+              <a:bodyPr wrap="none" lIns="0" tIns="0" rIns="0" bIns="0" rtlCol="0">
+                <a:spAutoFit/>
+              </a:bodyPr>
+              <a:lstStyle/>
+              <a:p>
+                <a:pPr/>
+                <a14:m>
+                  <m:oMathPara xmlns:m="http://schemas.openxmlformats.org/officeDocument/2006/math">
+                    <m:oMathParaPr>
+                      <m:jc m:val="centerGroup"/>
+                    </m:oMathParaPr>
+                    <m:oMath xmlns:m="http://schemas.openxmlformats.org/officeDocument/2006/math">
+                      <m:sSub>
+                        <m:sSubPr>
+                          <m:ctrlPr>
+                            <a:rPr lang="en-US" altLang="zh-CN" sz="1600" i="1" smtClean="0">
+                              <a:solidFill>
+                                <a:schemeClr val="accent1"/>
+                              </a:solidFill>
+                              <a:latin typeface="Cambria Math" panose="02040503050406030204" pitchFamily="18" charset="0"/>
+                            </a:rPr>
+                          </m:ctrlPr>
+                        </m:sSubPr>
+                        <m:e>
+                          <m:r>
+                            <a:rPr lang="zh-CN" altLang="en-US" sz="1600" i="1">
+                              <a:solidFill>
+                                <a:schemeClr val="accent1"/>
+                              </a:solidFill>
+                              <a:latin typeface="Cambria Math" panose="02040503050406030204" pitchFamily="18" charset="0"/>
+                            </a:rPr>
+                            <m:t>𝜉</m:t>
+                          </m:r>
+                        </m:e>
+                        <m:sub>
+                          <m:r>
+                            <a:rPr lang="en-US" altLang="zh-CN" sz="1600" b="0" i="1" smtClean="0">
+                              <a:solidFill>
+                                <a:schemeClr val="accent1"/>
+                              </a:solidFill>
+                              <a:latin typeface="Cambria Math" panose="02040503050406030204" pitchFamily="18" charset="0"/>
+                            </a:rPr>
+                            <m:t>𝑋</m:t>
+                          </m:r>
+                        </m:sub>
+                      </m:sSub>
+                    </m:oMath>
+                  </m:oMathPara>
+                </a14:m>
+                <a:endParaRPr lang="zh-CN" altLang="en-US" sz="1600" dirty="0">
+                  <a:solidFill>
+                    <a:schemeClr val="accent1"/>
+                  </a:solidFill>
+                </a:endParaRPr>
+              </a:p>
+            </p:txBody>
+          </p:sp>
+        </mc:Choice>
+        <mc:Fallback xmlns="">
+          <p:sp>
+            <p:nvSpPr>
+              <p:cNvPr id="13" name="文本框 12">
+                <a:extLst>
+                  <a:ext uri="{FF2B5EF4-FFF2-40B4-BE49-F238E27FC236}">
+                    <a16:creationId xmlns:a16="http://schemas.microsoft.com/office/drawing/2014/main" id="{7839D264-CBE6-4B55-B1C9-AADA19F55634}"/>
+                  </a:ext>
+                </a:extLst>
+              </p:cNvPr>
+              <p:cNvSpPr txBox="1">
+                <a:spLocks noRot="1" noChangeAspect="1" noMove="1" noResize="1" noEditPoints="1" noAdjustHandles="1" noChangeArrowheads="1" noChangeShapeType="1" noTextEdit="1"/>
+              </p:cNvSpPr>
+              <p:nvPr/>
+            </p:nvSpPr>
+            <p:spPr>
+              <a:xfrm>
+                <a:off x="2214732" y="1032561"/>
+                <a:ext cx="253467" cy="246221"/>
+              </a:xfrm>
+              <a:prstGeom prst="rect">
+                <a:avLst/>
+              </a:prstGeom>
+              <a:blipFill>
+                <a:blip r:embed="rId3"/>
+                <a:stretch>
+                  <a:fillRect l="-26190" r="-4762" b="-31707"/>
+                </a:stretch>
+              </a:blipFill>
+            </p:spPr>
+            <p:txBody>
+              <a:bodyPr/>
+              <a:lstStyle/>
+              <a:p>
+                <a:r>
+                  <a:rPr lang="zh-CN" altLang="en-US">
+                    <a:noFill/>
+                  </a:rPr>
+                  <a:t> </a:t>
+                </a:r>
+              </a:p>
+            </p:txBody>
+          </p:sp>
+        </mc:Fallback>
+      </mc:AlternateContent>
+      <mc:AlternateContent xmlns:mc="http://schemas.openxmlformats.org/markup-compatibility/2006" xmlns:a14="http://schemas.microsoft.com/office/drawing/2010/main">
+        <mc:Choice Requires="a14">
+          <p:sp>
+            <p:nvSpPr>
+              <p:cNvPr id="16" name="文本框 15">
+                <a:extLst>
+                  <a:ext uri="{FF2B5EF4-FFF2-40B4-BE49-F238E27FC236}">
+                    <a16:creationId xmlns:a16="http://schemas.microsoft.com/office/drawing/2014/main" id="{72A2ADB5-3F41-4CAF-81BB-793006F2505F}"/>
+                  </a:ext>
+                </a:extLst>
+              </p:cNvPr>
+              <p:cNvSpPr txBox="1"/>
+              <p:nvPr/>
+            </p:nvSpPr>
+            <p:spPr>
+              <a:xfrm>
+                <a:off x="2638553" y="3144723"/>
+                <a:ext cx="308226" cy="246221"/>
+              </a:xfrm>
+              <a:prstGeom prst="rect">
+                <a:avLst/>
+              </a:prstGeom>
+              <a:noFill/>
+            </p:spPr>
+            <p:txBody>
+              <a:bodyPr wrap="none" lIns="0" tIns="0" rIns="0" bIns="0" rtlCol="0">
+                <a:spAutoFit/>
+              </a:bodyPr>
+              <a:lstStyle/>
+              <a:p>
+                <a:pPr/>
+                <a14:m>
+                  <m:oMathPara xmlns:m="http://schemas.openxmlformats.org/officeDocument/2006/math">
+                    <m:oMathParaPr>
+                      <m:jc m:val="centerGroup"/>
+                    </m:oMathParaPr>
+                    <m:oMath xmlns:m="http://schemas.openxmlformats.org/officeDocument/2006/math">
+                      <m:sSub>
+                        <m:sSubPr>
+                          <m:ctrlPr>
+                            <a:rPr lang="en-US" altLang="zh-CN" sz="1600" i="1">
+                              <a:latin typeface="Cambria Math" panose="02040503050406030204" pitchFamily="18" charset="0"/>
+                              <a:ea typeface="Cambria Math" panose="02040503050406030204" pitchFamily="18" charset="0"/>
+                            </a:rPr>
+                          </m:ctrlPr>
+                        </m:sSubPr>
+                        <m:e>
+                          <m:r>
+                            <a:rPr lang="en-US" altLang="zh-CN" sz="1600" i="1">
+                              <a:latin typeface="Cambria Math" panose="02040503050406030204" pitchFamily="18" charset="0"/>
+                              <a:ea typeface="Cambria Math" panose="02040503050406030204" pitchFamily="18" charset="0"/>
+                            </a:rPr>
+                            <m:t>ℙ</m:t>
+                          </m:r>
+                        </m:e>
+                        <m:sub>
+                          <m:r>
+                            <a:rPr lang="en-US" altLang="zh-CN" sz="1600" i="1">
+                              <a:latin typeface="Cambria Math" panose="02040503050406030204" pitchFamily="18" charset="0"/>
+                              <a:ea typeface="Cambria Math" panose="02040503050406030204" pitchFamily="18" charset="0"/>
+                            </a:rPr>
+                            <m:t>𝑑</m:t>
+                          </m:r>
+                        </m:sub>
+                      </m:sSub>
+                    </m:oMath>
+                  </m:oMathPara>
+                </a14:m>
+                <a:endParaRPr lang="zh-CN" altLang="en-US" sz="1600" dirty="0"/>
+              </a:p>
+            </p:txBody>
+          </p:sp>
+        </mc:Choice>
+        <mc:Fallback xmlns="">
+          <p:sp>
+            <p:nvSpPr>
+              <p:cNvPr id="16" name="文本框 15">
+                <a:extLst>
+                  <a:ext uri="{FF2B5EF4-FFF2-40B4-BE49-F238E27FC236}">
+                    <a16:creationId xmlns:a16="http://schemas.microsoft.com/office/drawing/2014/main" id="{72A2ADB5-3F41-4CAF-81BB-793006F2505F}"/>
+                  </a:ext>
+                </a:extLst>
+              </p:cNvPr>
+              <p:cNvSpPr txBox="1">
+                <a:spLocks noRot="1" noChangeAspect="1" noMove="1" noResize="1" noEditPoints="1" noAdjustHandles="1" noChangeArrowheads="1" noChangeShapeType="1" noTextEdit="1"/>
+              </p:cNvSpPr>
+              <p:nvPr/>
+            </p:nvSpPr>
+            <p:spPr>
+              <a:xfrm>
+                <a:off x="2638553" y="3144723"/>
+                <a:ext cx="308226" cy="246221"/>
+              </a:xfrm>
+              <a:prstGeom prst="rect">
+                <a:avLst/>
+              </a:prstGeom>
+              <a:blipFill>
+                <a:blip r:embed="rId5"/>
+                <a:stretch>
+                  <a:fillRect l="-14000" r="-2000" b="-15000"/>
+                </a:stretch>
+              </a:blipFill>
+            </p:spPr>
+            <p:txBody>
+              <a:bodyPr/>
+              <a:lstStyle/>
+              <a:p>
+                <a:r>
+                  <a:rPr lang="zh-CN" altLang="en-US">
+                    <a:noFill/>
+                  </a:rPr>
+                  <a:t> </a:t>
+                </a:r>
+              </a:p>
+            </p:txBody>
+          </p:sp>
+        </mc:Fallback>
+      </mc:AlternateContent>
+      <mc:AlternateContent xmlns:mc="http://schemas.openxmlformats.org/markup-compatibility/2006" xmlns:a14="http://schemas.microsoft.com/office/drawing/2010/main">
+        <mc:Choice Requires="a14">
+          <p:sp>
+            <p:nvSpPr>
+              <p:cNvPr id="17" name="文本框 16">
+                <a:extLst>
+                  <a:ext uri="{FF2B5EF4-FFF2-40B4-BE49-F238E27FC236}">
+                    <a16:creationId xmlns:a16="http://schemas.microsoft.com/office/drawing/2014/main" id="{3AC2E405-675F-417B-AF28-660FB9168476}"/>
+                  </a:ext>
+                </a:extLst>
+              </p:cNvPr>
+              <p:cNvSpPr txBox="1"/>
+              <p:nvPr/>
+            </p:nvSpPr>
+            <p:spPr>
+              <a:xfrm>
+                <a:off x="3086659" y="1365548"/>
+                <a:ext cx="166353" cy="369332"/>
+              </a:xfrm>
+              <a:prstGeom prst="rect">
+                <a:avLst/>
+              </a:prstGeom>
+              <a:noFill/>
+            </p:spPr>
+            <p:txBody>
+              <a:bodyPr wrap="square">
+                <a:spAutoFit/>
+              </a:bodyPr>
+              <a:lstStyle/>
+              <a:p>
+                <a:pPr/>
+                <a14:m>
+                  <m:oMathPara xmlns:m="http://schemas.openxmlformats.org/officeDocument/2006/math">
+                    <m:oMathParaPr>
+                      <m:jc m:val="centerGroup"/>
+                    </m:oMathParaPr>
+                    <m:oMath xmlns:m="http://schemas.openxmlformats.org/officeDocument/2006/math">
+                      <m:r>
+                        <a:rPr lang="en-US" altLang="zh-CN" sz="1800" b="0" i="1" smtClean="0">
+                          <a:latin typeface="Cambria Math" panose="02040503050406030204" pitchFamily="18" charset="0"/>
+                        </a:rPr>
+                        <m:t>𝑌</m:t>
+                      </m:r>
+                    </m:oMath>
+                  </m:oMathPara>
+                </a14:m>
+                <a:endParaRPr lang="zh-CN" altLang="en-US" sz="1800" dirty="0"/>
+              </a:p>
+            </p:txBody>
+          </p:sp>
+        </mc:Choice>
+        <mc:Fallback xmlns="">
+          <p:sp>
+            <p:nvSpPr>
+              <p:cNvPr id="17" name="文本框 16">
+                <a:extLst>
+                  <a:ext uri="{FF2B5EF4-FFF2-40B4-BE49-F238E27FC236}">
+                    <a16:creationId xmlns:a16="http://schemas.microsoft.com/office/drawing/2014/main" id="{3AC2E405-675F-417B-AF28-660FB9168476}"/>
+                  </a:ext>
+                </a:extLst>
+              </p:cNvPr>
+              <p:cNvSpPr txBox="1">
+                <a:spLocks noRot="1" noChangeAspect="1" noMove="1" noResize="1" noEditPoints="1" noAdjustHandles="1" noChangeArrowheads="1" noChangeShapeType="1" noTextEdit="1"/>
+              </p:cNvSpPr>
+              <p:nvPr/>
+            </p:nvSpPr>
+            <p:spPr>
+              <a:xfrm>
+                <a:off x="3086659" y="1365548"/>
+                <a:ext cx="166353" cy="369332"/>
+              </a:xfrm>
+              <a:prstGeom prst="rect">
+                <a:avLst/>
+              </a:prstGeom>
+              <a:blipFill>
+                <a:blip r:embed="rId6"/>
+                <a:stretch>
+                  <a:fillRect r="-78571"/>
+                </a:stretch>
+              </a:blipFill>
+            </p:spPr>
+            <p:txBody>
+              <a:bodyPr/>
+              <a:lstStyle/>
+              <a:p>
+                <a:r>
+                  <a:rPr lang="zh-CN" altLang="en-US">
+                    <a:noFill/>
+                  </a:rPr>
+                  <a:t> </a:t>
+                </a:r>
+              </a:p>
+            </p:txBody>
+          </p:sp>
+        </mc:Fallback>
+      </mc:AlternateContent>
+      <p:cxnSp>
+        <p:nvCxnSpPr>
+          <p:cNvPr id="19" name="直接箭头连接符 18">
+            <a:extLst>
+              <a:ext uri="{FF2B5EF4-FFF2-40B4-BE49-F238E27FC236}">
+                <a16:creationId xmlns:a16="http://schemas.microsoft.com/office/drawing/2014/main" id="{F39C46B0-DC63-4C5B-B924-2428C846DB70}"/>
+              </a:ext>
+            </a:extLst>
+          </p:cNvPr>
+          <p:cNvCxnSpPr>
+            <a:cxnSpLocks/>
+          </p:cNvCxnSpPr>
+          <p:nvPr/>
+        </p:nvCxnSpPr>
+        <p:spPr>
+          <a:xfrm>
+            <a:off x="3130685" y="1618280"/>
+            <a:ext cx="529791" cy="441288"/>
+          </a:xfrm>
+          <a:prstGeom prst="straightConnector1">
+            <a:avLst/>
+          </a:prstGeom>
+          <a:ln>
+            <a:tailEnd type="triangle"/>
+          </a:ln>
+        </p:spPr>
+        <p:style>
+          <a:lnRef idx="1">
+            <a:schemeClr val="accent1"/>
+          </a:lnRef>
+          <a:fillRef idx="0">
+            <a:schemeClr val="accent1"/>
+          </a:fillRef>
+          <a:effectRef idx="0">
+            <a:schemeClr val="accent1"/>
+          </a:effectRef>
+          <a:fontRef idx="minor">
+            <a:schemeClr val="tx1"/>
+          </a:fontRef>
+        </p:style>
+      </p:cxnSp>
+      <mc:AlternateContent xmlns:mc="http://schemas.openxmlformats.org/markup-compatibility/2006" xmlns:a14="http://schemas.microsoft.com/office/drawing/2010/main">
+        <mc:Choice Requires="a14">
+          <p:sp>
+            <p:nvSpPr>
+              <p:cNvPr id="20" name="文本框 19">
+                <a:extLst>
+                  <a:ext uri="{FF2B5EF4-FFF2-40B4-BE49-F238E27FC236}">
+                    <a16:creationId xmlns:a16="http://schemas.microsoft.com/office/drawing/2014/main" id="{0CB429DB-B5A7-4423-AC12-94DEE4D66042}"/>
+                  </a:ext>
+                </a:extLst>
+              </p:cNvPr>
+              <p:cNvSpPr txBox="1"/>
+              <p:nvPr/>
+            </p:nvSpPr>
+            <p:spPr>
+              <a:xfrm>
+                <a:off x="3407009" y="1618278"/>
+                <a:ext cx="742383" cy="256993"/>
+              </a:xfrm>
+              <a:prstGeom prst="rect">
+                <a:avLst/>
+              </a:prstGeom>
+              <a:noFill/>
+            </p:spPr>
+            <p:txBody>
+              <a:bodyPr wrap="none" lIns="0" tIns="0" rIns="0" bIns="0" rtlCol="0">
+                <a:spAutoFit/>
+              </a:bodyPr>
+              <a:lstStyle/>
+              <a:p>
+                <a:pPr/>
+                <a14:m>
+                  <m:oMathPara xmlns:m="http://schemas.openxmlformats.org/officeDocument/2006/math">
+                    <m:oMathParaPr>
+                      <m:jc m:val="centerGroup"/>
+                    </m:oMathParaPr>
+                    <m:oMath xmlns:m="http://schemas.openxmlformats.org/officeDocument/2006/math">
+                      <m:sSub>
+                        <m:sSubPr>
+                          <m:ctrlPr>
+                            <a:rPr lang="en-US" altLang="zh-CN" sz="1600" i="1" smtClean="0">
+                              <a:solidFill>
+                                <a:schemeClr val="accent1"/>
+                              </a:solidFill>
+                              <a:latin typeface="Cambria Math" panose="02040503050406030204" pitchFamily="18" charset="0"/>
+                            </a:rPr>
+                          </m:ctrlPr>
+                        </m:sSubPr>
+                        <m:e>
+                          <m:r>
+                            <a:rPr lang="zh-CN" altLang="en-US" sz="1600" i="1" smtClean="0">
+                              <a:solidFill>
+                                <a:schemeClr val="accent1"/>
+                              </a:solidFill>
+                              <a:latin typeface="Cambria Math" panose="02040503050406030204" pitchFamily="18" charset="0"/>
+                            </a:rPr>
+                            <m:t>𝒯</m:t>
+                          </m:r>
+                        </m:e>
+                        <m:sub>
+                          <m:r>
+                            <a:rPr lang="en-US" altLang="zh-CN" sz="1600" b="0" i="1" smtClean="0">
+                              <a:solidFill>
+                                <a:schemeClr val="accent1"/>
+                              </a:solidFill>
+                              <a:latin typeface="Cambria Math" panose="02040503050406030204" pitchFamily="18" charset="0"/>
+                            </a:rPr>
+                            <m:t>𝑋</m:t>
+                          </m:r>
+                          <m:r>
+                            <a:rPr lang="en-US" altLang="zh-CN" sz="1600" b="0" i="1" smtClean="0">
+                              <a:solidFill>
+                                <a:schemeClr val="accent1"/>
+                              </a:solidFill>
+                              <a:latin typeface="Cambria Math" panose="02040503050406030204" pitchFamily="18" charset="0"/>
+                            </a:rPr>
+                            <m:t>,</m:t>
+                          </m:r>
+                          <m:r>
+                            <a:rPr lang="en-US" altLang="zh-CN" sz="1600" b="0" i="1" smtClean="0">
+                              <a:solidFill>
+                                <a:schemeClr val="accent1"/>
+                              </a:solidFill>
+                              <a:latin typeface="Cambria Math" panose="02040503050406030204" pitchFamily="18" charset="0"/>
+                            </a:rPr>
+                            <m:t>𝑌</m:t>
+                          </m:r>
+                        </m:sub>
+                      </m:sSub>
+                      <m:r>
+                        <a:rPr lang="en-US" altLang="zh-CN" sz="1600" b="0" i="1" smtClean="0">
+                          <a:solidFill>
+                            <a:schemeClr val="accent1"/>
+                          </a:solidFill>
+                          <a:latin typeface="Cambria Math" panose="02040503050406030204" pitchFamily="18" charset="0"/>
+                        </a:rPr>
+                        <m:t>(</m:t>
+                      </m:r>
+                      <m:sSub>
+                        <m:sSubPr>
+                          <m:ctrlPr>
+                            <a:rPr lang="en-US" altLang="zh-CN" sz="1600" b="0" i="1" smtClean="0">
+                              <a:solidFill>
+                                <a:schemeClr val="accent1"/>
+                              </a:solidFill>
+                              <a:latin typeface="Cambria Math" panose="02040503050406030204" pitchFamily="18" charset="0"/>
+                            </a:rPr>
+                          </m:ctrlPr>
+                        </m:sSubPr>
+                        <m:e>
+                          <m:r>
+                            <a:rPr lang="zh-CN" altLang="en-US" sz="1600" i="1">
+                              <a:solidFill>
+                                <a:schemeClr val="accent1"/>
+                              </a:solidFill>
+                              <a:latin typeface="Cambria Math" panose="02040503050406030204" pitchFamily="18" charset="0"/>
+                            </a:rPr>
+                            <m:t>𝜉</m:t>
+                          </m:r>
+                        </m:e>
+                        <m:sub>
+                          <m:r>
+                            <m:rPr>
+                              <m:sty m:val="p"/>
+                            </m:rPr>
+                            <a:rPr lang="en-US" altLang="zh-CN" sz="1600" i="1">
+                              <a:solidFill>
+                                <a:schemeClr val="accent1"/>
+                              </a:solidFill>
+                              <a:latin typeface="Cambria Math" panose="02040503050406030204" pitchFamily="18" charset="0"/>
+                            </a:rPr>
+                            <m:t>X</m:t>
+                          </m:r>
+                        </m:sub>
+                      </m:sSub>
+                      <m:r>
+                        <a:rPr lang="en-US" altLang="zh-CN" sz="1600" b="0" i="1" smtClean="0">
+                          <a:solidFill>
+                            <a:schemeClr val="accent1"/>
+                          </a:solidFill>
+                          <a:latin typeface="Cambria Math" panose="02040503050406030204" pitchFamily="18" charset="0"/>
+                        </a:rPr>
+                        <m:t>)</m:t>
+                      </m:r>
+                    </m:oMath>
+                  </m:oMathPara>
+                </a14:m>
+                <a:endParaRPr lang="zh-CN" altLang="en-US" sz="1600" dirty="0">
+                  <a:solidFill>
+                    <a:schemeClr val="accent1"/>
+                  </a:solidFill>
+                </a:endParaRPr>
+              </a:p>
+            </p:txBody>
+          </p:sp>
+        </mc:Choice>
+        <mc:Fallback xmlns="">
+          <p:sp>
+            <p:nvSpPr>
+              <p:cNvPr id="20" name="文本框 19">
+                <a:extLst>
+                  <a:ext uri="{FF2B5EF4-FFF2-40B4-BE49-F238E27FC236}">
+                    <a16:creationId xmlns:a16="http://schemas.microsoft.com/office/drawing/2014/main" id="{0CB429DB-B5A7-4423-AC12-94DEE4D66042}"/>
+                  </a:ext>
+                </a:extLst>
+              </p:cNvPr>
+              <p:cNvSpPr txBox="1">
+                <a:spLocks noRot="1" noChangeAspect="1" noMove="1" noResize="1" noEditPoints="1" noAdjustHandles="1" noChangeArrowheads="1" noChangeShapeType="1" noTextEdit="1"/>
+              </p:cNvSpPr>
+              <p:nvPr/>
+            </p:nvSpPr>
+            <p:spPr>
+              <a:xfrm>
+                <a:off x="3407009" y="1618278"/>
+                <a:ext cx="742383" cy="256993"/>
+              </a:xfrm>
+              <a:prstGeom prst="rect">
+                <a:avLst/>
+              </a:prstGeom>
+              <a:blipFill>
+                <a:blip r:embed="rId7"/>
+                <a:stretch>
+                  <a:fillRect l="-6557" r="-9016" b="-27907"/>
+                </a:stretch>
+              </a:blipFill>
+            </p:spPr>
+            <p:txBody>
+              <a:bodyPr/>
+              <a:lstStyle/>
+              <a:p>
+                <a:r>
+                  <a:rPr lang="zh-CN" altLang="en-US">
+                    <a:noFill/>
+                  </a:rPr>
+                  <a:t> </a:t>
+                </a:r>
+              </a:p>
+            </p:txBody>
+          </p:sp>
+        </mc:Fallback>
+      </mc:AlternateContent>
+    </p:spTree>
+    <p:extLst>
+      <p:ext uri="{BB962C8B-B14F-4D97-AF65-F5344CB8AC3E}">
+        <p14:creationId xmlns:p14="http://schemas.microsoft.com/office/powerpoint/2010/main" val="1272377538"/>
+      </p:ext>
+    </p:extLst>
+  </p:cSld>
+  <p:clrMapOvr>
+    <a:masterClrMapping/>
+  </p:clrMapOvr>
+</p:sld>
+</file>
+
+<file path=ppt/slides/slide2.xml><?xml version="1.0" encoding="utf-8"?>
+<p:sld xmlns:a="http://schemas.openxmlformats.org/drawingml/2006/main" xmlns:r="http://schemas.openxmlformats.org/officeDocument/2006/relationships" xmlns:p="http://schemas.openxmlformats.org/presentationml/2006/main">
+  <p:cSld>
+    <p:spTree>
+      <p:nvGrpSpPr>
+        <p:cNvPr id="1" name=""/>
+        <p:cNvGrpSpPr/>
+        <p:nvPr/>
+      </p:nvGrpSpPr>
+      <p:grpSpPr>
+        <a:xfrm>
+          <a:off x="0" y="0"/>
+          <a:ext cx="0" cy="0"/>
+          <a:chOff x="0" y="0"/>
+          <a:chExt cx="0" cy="0"/>
+        </a:xfrm>
+      </p:grpSpPr>
+      <p:sp>
+        <p:nvSpPr>
           <p:cNvPr id="14" name="任意多边形: 形状 13">
             <a:extLst>
               <a:ext uri="{FF2B5EF4-FFF2-40B4-BE49-F238E27FC236}">
@@ -3441,8 +4640,8 @@
           </a:fontRef>
         </p:style>
       </p:cxnSp>
-      <mc:AlternateContent xmlns:mc="http://schemas.openxmlformats.org/markup-compatibility/2006">
-        <mc:Choice xmlns:a14="http://schemas.microsoft.com/office/drawing/2010/main" Requires="a14">
+      <mc:AlternateContent xmlns:mc="http://schemas.openxmlformats.org/markup-compatibility/2006" xmlns:a14="http://schemas.microsoft.com/office/drawing/2010/main">
+        <mc:Choice Requires="a14">
           <p:sp>
             <p:nvSpPr>
               <p:cNvPr id="12" name="文本框 11">
@@ -3492,7 +4691,7 @@
             </p:txBody>
           </p:sp>
         </mc:Choice>
-        <mc:Fallback>
+        <mc:Fallback xmlns="">
           <p:sp>
             <p:nvSpPr>
               <p:cNvPr id="12" name="文本框 11">
@@ -3537,8 +4736,8 @@
           </p:sp>
         </mc:Fallback>
       </mc:AlternateContent>
-      <mc:AlternateContent xmlns:mc="http://schemas.openxmlformats.org/markup-compatibility/2006">
-        <mc:Choice xmlns:a14="http://schemas.microsoft.com/office/drawing/2010/main" Requires="a14">
+      <mc:AlternateContent xmlns:mc="http://schemas.openxmlformats.org/markup-compatibility/2006" xmlns:a14="http://schemas.microsoft.com/office/drawing/2010/main">
+        <mc:Choice Requires="a14">
           <p:sp>
             <p:nvSpPr>
               <p:cNvPr id="13" name="文本框 12">
@@ -3620,7 +4819,7 @@
             </p:txBody>
           </p:sp>
         </mc:Choice>
-        <mc:Fallback>
+        <mc:Fallback xmlns="">
           <p:sp>
             <p:nvSpPr>
               <p:cNvPr id="13" name="文本框 12">
@@ -3665,8 +4864,8 @@
           </p:sp>
         </mc:Fallback>
       </mc:AlternateContent>
-      <mc:AlternateContent xmlns:mc="http://schemas.openxmlformats.org/markup-compatibility/2006">
-        <mc:Choice xmlns:a14="http://schemas.microsoft.com/office/drawing/2010/main" Requires="a14">
+      <mc:AlternateContent xmlns:mc="http://schemas.openxmlformats.org/markup-compatibility/2006" xmlns:a14="http://schemas.microsoft.com/office/drawing/2010/main">
+        <mc:Choice Requires="a14">
           <p:sp>
             <p:nvSpPr>
               <p:cNvPr id="15" name="文本框 14">
@@ -3785,7 +4984,7 @@
             </p:txBody>
           </p:sp>
         </mc:Choice>
-        <mc:Fallback>
+        <mc:Fallback xmlns="">
           <p:sp>
             <p:nvSpPr>
               <p:cNvPr id="15" name="文本框 14">
@@ -3830,8 +5029,8 @@
           </p:sp>
         </mc:Fallback>
       </mc:AlternateContent>
-      <mc:AlternateContent xmlns:mc="http://schemas.openxmlformats.org/markup-compatibility/2006">
-        <mc:Choice xmlns:a14="http://schemas.microsoft.com/office/drawing/2010/main" Requires="a14">
+      <mc:AlternateContent xmlns:mc="http://schemas.openxmlformats.org/markup-compatibility/2006" xmlns:a14="http://schemas.microsoft.com/office/drawing/2010/main">
+        <mc:Choice Requires="a14">
           <p:sp>
             <p:nvSpPr>
               <p:cNvPr id="16" name="文本框 15">
@@ -3903,7 +5102,7 @@
             </p:txBody>
           </p:sp>
         </mc:Choice>
-        <mc:Fallback>
+        <mc:Fallback xmlns="">
           <p:sp>
             <p:nvSpPr>
               <p:cNvPr id="16" name="文本框 15">
@@ -4042,8 +5241,8 @@
           </a:fontRef>
         </p:style>
       </p:cxnSp>
-      <mc:AlternateContent xmlns:mc="http://schemas.openxmlformats.org/markup-compatibility/2006">
-        <mc:Choice xmlns:a14="http://schemas.microsoft.com/office/drawing/2010/main" Requires="a14">
+      <mc:AlternateContent xmlns:mc="http://schemas.openxmlformats.org/markup-compatibility/2006" xmlns:a14="http://schemas.microsoft.com/office/drawing/2010/main">
+        <mc:Choice Requires="a14">
           <p:sp>
             <p:nvSpPr>
               <p:cNvPr id="24" name="文本框 23">
@@ -4149,7 +5348,7 @@
             </p:txBody>
           </p:sp>
         </mc:Choice>
-        <mc:Fallback>
+        <mc:Fallback xmlns="">
           <p:sp>
             <p:nvSpPr>
               <p:cNvPr id="24" name="文本框 23">
